--- a/grit_runs.pptx
+++ b/grit_runs.pptx
@@ -6698,7 +6698,7 @@
         </p:spPr>
         <p:txBody>
           <a:bodyPr>
-            <a:normAutofit fontScale="92500" lnSpcReduction="10000"/>
+            <a:normAutofit fontScale="70000" lnSpcReduction="20000"/>
           </a:bodyPr>
           <a:lstStyle/>
           <a:p>
@@ -6716,7 +6716,14 @@
           <a:p>
             <a:r>
               <a:rPr lang="en-US" dirty="0"/>
-              <a:t>We were operating at 268 degrees. </a:t>
+              <a:t>We were operating at 268 degrees.</a:t>
+            </a:r>
+          </a:p>
+          <a:p>
+            <a:pPr lvl="1"/>
+            <a:r>
+              <a:rPr lang="en-US" dirty="0"/>
+              <a:t>Ask Maksim about how charge scan was measured.  </a:t>
             </a:r>
           </a:p>
         </p:txBody>

--- a/grit_runs.pptx
+++ b/grit_runs.pptx
@@ -5,12 +5,12 @@
     <p:sldMasterId id="2147483648" r:id="rId1"/>
   </p:sldMasterIdLst>
   <p:sldIdLst>
-    <p:sldId id="256" r:id="rId2"/>
-    <p:sldId id="261" r:id="rId3"/>
+    <p:sldId id="261" r:id="rId2"/>
+    <p:sldId id="263" r:id="rId3"/>
     <p:sldId id="257" r:id="rId4"/>
-    <p:sldId id="258" r:id="rId5"/>
-    <p:sldId id="260" r:id="rId6"/>
-    <p:sldId id="259" r:id="rId7"/>
+    <p:sldId id="264" r:id="rId5"/>
+    <p:sldId id="258" r:id="rId6"/>
+    <p:sldId id="260" r:id="rId7"/>
     <p:sldId id="262" r:id="rId8"/>
   </p:sldIdLst>
   <p:sldSz cx="12192000" cy="6858000"/>
@@ -111,6 +111,37 @@
     </a:lvl9pPr>
   </p:defaultTextStyle>
   <p:extLst>
+    <p:ext uri="{521415D9-36F7-43E2-AB2F-B90AF26B5E84}">
+      <p14:sectionLst xmlns:p14="http://schemas.microsoft.com/office/powerpoint/2010/main">
+        <p14:section name="References" id="{85E51CE3-8816-414C-84FE-6CE3A554B150}">
+          <p14:sldIdLst>
+            <p14:sldId id="261"/>
+          </p14:sldIdLst>
+        </p14:section>
+        <p14:section name="Run Plans" id="{56C4AD4E-94A0-4D2C-8ABC-BC85D696A593}">
+          <p14:sldIdLst>
+            <p14:sldId id="263"/>
+          </p14:sldIdLst>
+        </p14:section>
+        <p14:section name="To Do List" id="{FCE02B07-0DD4-49B9-B1CA-229B2328CA43}">
+          <p14:sldIdLst>
+            <p14:sldId id="257"/>
+            <p14:sldId id="264"/>
+          </p14:sldIdLst>
+        </p14:section>
+        <p14:section name="08/09/2024" id="{A9B24CAC-3032-4F01-8B32-838611178101}">
+          <p14:sldIdLst>
+            <p14:sldId id="258"/>
+            <p14:sldId id="260"/>
+          </p14:sldIdLst>
+        </p14:section>
+        <p14:section name="08/13/2024" id="{AFCEEEA1-35B5-438B-A7F9-DB9C1F181C82}">
+          <p14:sldIdLst>
+            <p14:sldId id="262"/>
+          </p14:sldIdLst>
+        </p14:section>
+      </p14:sectionLst>
+    </p:ext>
     <p:ext uri="{EFAFB233-063F-42B5-8137-9DF3F51BA10A}">
       <p15:sldGuideLst xmlns:p15="http://schemas.microsoft.com/office/powerpoint/2012/main"/>
     </p:ext>
@@ -3112,7 +3143,7 @@
           <a:p>
             <a:fld id="{8F579D71-2FC3-482B-B058-189FC57659FB}" type="datetimeFigureOut">
               <a:rPr lang="en-US" smtClean="0"/>
-              <a:t>8/14/2024</a:t>
+              <a:t>8/16/2024</a:t>
             </a:fld>
             <a:endParaRPr lang="en-US"/>
           </a:p>
@@ -3310,7 +3341,7 @@
           <a:p>
             <a:fld id="{8F579D71-2FC3-482B-B058-189FC57659FB}" type="datetimeFigureOut">
               <a:rPr lang="en-US" smtClean="0"/>
-              <a:t>8/14/2024</a:t>
+              <a:t>8/16/2024</a:t>
             </a:fld>
             <a:endParaRPr lang="en-US"/>
           </a:p>
@@ -3518,7 +3549,7 @@
           <a:p>
             <a:fld id="{8F579D71-2FC3-482B-B058-189FC57659FB}" type="datetimeFigureOut">
               <a:rPr lang="en-US" smtClean="0"/>
-              <a:t>8/14/2024</a:t>
+              <a:t>8/16/2024</a:t>
             </a:fld>
             <a:endParaRPr lang="en-US"/>
           </a:p>
@@ -3716,7 +3747,7 @@
           <a:p>
             <a:fld id="{8F579D71-2FC3-482B-B058-189FC57659FB}" type="datetimeFigureOut">
               <a:rPr lang="en-US" smtClean="0"/>
-              <a:t>8/14/2024</a:t>
+              <a:t>8/16/2024</a:t>
             </a:fld>
             <a:endParaRPr lang="en-US"/>
           </a:p>
@@ -3991,7 +4022,7 @@
           <a:p>
             <a:fld id="{8F579D71-2FC3-482B-B058-189FC57659FB}" type="datetimeFigureOut">
               <a:rPr lang="en-US" smtClean="0"/>
-              <a:t>8/14/2024</a:t>
+              <a:t>8/16/2024</a:t>
             </a:fld>
             <a:endParaRPr lang="en-US"/>
           </a:p>
@@ -4256,7 +4287,7 @@
           <a:p>
             <a:fld id="{8F579D71-2FC3-482B-B058-189FC57659FB}" type="datetimeFigureOut">
               <a:rPr lang="en-US" smtClean="0"/>
-              <a:t>8/14/2024</a:t>
+              <a:t>8/16/2024</a:t>
             </a:fld>
             <a:endParaRPr lang="en-US"/>
           </a:p>
@@ -4668,7 +4699,7 @@
           <a:p>
             <a:fld id="{8F579D71-2FC3-482B-B058-189FC57659FB}" type="datetimeFigureOut">
               <a:rPr lang="en-US" smtClean="0"/>
-              <a:t>8/14/2024</a:t>
+              <a:t>8/16/2024</a:t>
             </a:fld>
             <a:endParaRPr lang="en-US"/>
           </a:p>
@@ -4809,7 +4840,7 @@
           <a:p>
             <a:fld id="{8F579D71-2FC3-482B-B058-189FC57659FB}" type="datetimeFigureOut">
               <a:rPr lang="en-US" smtClean="0"/>
-              <a:t>8/14/2024</a:t>
+              <a:t>8/16/2024</a:t>
             </a:fld>
             <a:endParaRPr lang="en-US"/>
           </a:p>
@@ -4922,7 +4953,7 @@
           <a:p>
             <a:fld id="{8F579D71-2FC3-482B-B058-189FC57659FB}" type="datetimeFigureOut">
               <a:rPr lang="en-US" smtClean="0"/>
-              <a:t>8/14/2024</a:t>
+              <a:t>8/16/2024</a:t>
             </a:fld>
             <a:endParaRPr lang="en-US"/>
           </a:p>
@@ -5233,7 +5264,7 @@
           <a:p>
             <a:fld id="{8F579D71-2FC3-482B-B058-189FC57659FB}" type="datetimeFigureOut">
               <a:rPr lang="en-US" smtClean="0"/>
-              <a:t>8/14/2024</a:t>
+              <a:t>8/16/2024</a:t>
             </a:fld>
             <a:endParaRPr lang="en-US"/>
           </a:p>
@@ -5521,7 +5552,7 @@
           <a:p>
             <a:fld id="{8F579D71-2FC3-482B-B058-189FC57659FB}" type="datetimeFigureOut">
               <a:rPr lang="en-US" smtClean="0"/>
-              <a:t>8/14/2024</a:t>
+              <a:t>8/16/2024</a:t>
             </a:fld>
             <a:endParaRPr lang="en-US"/>
           </a:p>
@@ -5762,7 +5793,7 @@
           <a:p>
             <a:fld id="{8F579D71-2FC3-482B-B058-189FC57659FB}" type="datetimeFigureOut">
               <a:rPr lang="en-US" smtClean="0"/>
-              <a:t>8/14/2024</a:t>
+              <a:t>8/16/2024</a:t>
             </a:fld>
             <a:endParaRPr lang="en-US"/>
           </a:p>
@@ -6179,63 +6210,97 @@
           <a:chExt cx="0" cy="0"/>
         </a:xfrm>
       </p:grpSpPr>
-      <p:sp>
-        <p:nvSpPr>
-          <p:cNvPr id="2" name="Title 1">
-            <a:extLst>
-              <a:ext uri="{FF2B5EF4-FFF2-40B4-BE49-F238E27FC236}">
-                <a16:creationId xmlns:a16="http://schemas.microsoft.com/office/drawing/2014/main" id="{51D6F3FA-F7EA-23A6-6B2E-DD94804BE8BC}"/>
-              </a:ext>
-            </a:extLst>
-          </p:cNvPr>
-          <p:cNvSpPr>
-            <a:spLocks noGrp="1"/>
-          </p:cNvSpPr>
-          <p:nvPr>
-            <p:ph type="ctrTitle"/>
-          </p:nvPr>
-        </p:nvSpPr>
-        <p:spPr/>
-        <p:txBody>
-          <a:bodyPr/>
+      <p:pic>
+        <p:nvPicPr>
+          <p:cNvPr id="6" name="Picture 5">
+            <a:extLst>
+              <a:ext uri="{FF2B5EF4-FFF2-40B4-BE49-F238E27FC236}">
+                <a16:creationId xmlns:a16="http://schemas.microsoft.com/office/drawing/2014/main" id="{D00E94F4-E88B-C1CE-D035-6C2684ADF946}"/>
+              </a:ext>
+            </a:extLst>
+          </p:cNvPr>
+          <p:cNvPicPr>
+            <a:picLocks noChangeAspect="1"/>
+          </p:cNvPicPr>
+          <p:nvPr/>
+        </p:nvPicPr>
+        <p:blipFill>
+          <a:blip r:embed="rId2">
+            <a:extLst>
+              <a:ext uri="{28A0092B-C50C-407E-A947-70E740481C1C}">
+                <a14:useLocalDpi xmlns:a14="http://schemas.microsoft.com/office/drawing/2010/main" val="0"/>
+              </a:ext>
+            </a:extLst>
+          </a:blip>
+          <a:stretch>
+            <a:fillRect/>
+          </a:stretch>
+        </p:blipFill>
+        <p:spPr>
+          <a:xfrm>
+            <a:off x="109044" y="489856"/>
+            <a:ext cx="11973912" cy="6310993"/>
+          </a:xfrm>
+          <a:prstGeom prst="rect">
+            <a:avLst/>
+          </a:prstGeom>
+        </p:spPr>
+      </p:pic>
+      <p:sp>
+        <p:nvSpPr>
+          <p:cNvPr id="4" name="TextBox 3">
+            <a:extLst>
+              <a:ext uri="{FF2B5EF4-FFF2-40B4-BE49-F238E27FC236}">
+                <a16:creationId xmlns:a16="http://schemas.microsoft.com/office/drawing/2014/main" id="{FDA9D864-9067-E047-127C-0EE74659BEB2}"/>
+              </a:ext>
+            </a:extLst>
+          </p:cNvPr>
+          <p:cNvSpPr txBox="1"/>
+          <p:nvPr/>
+        </p:nvSpPr>
+        <p:spPr>
+          <a:xfrm>
+            <a:off x="6581671" y="281355"/>
+            <a:ext cx="4712677" cy="923330"/>
+          </a:xfrm>
+          <a:prstGeom prst="rect">
+            <a:avLst/>
+          </a:prstGeom>
+          <a:noFill/>
+        </p:spPr>
+        <p:txBody>
+          <a:bodyPr wrap="square" rtlCol="0">
+            <a:spAutoFit/>
+          </a:bodyPr>
           <a:lstStyle/>
           <a:p>
             <a:r>
+              <a:rPr lang="en-US" b="1" dirty="0" err="1"/>
+              <a:t>Solidwork</a:t>
+            </a:r>
+            <a:r>
+              <a:rPr lang="en-US" b="1" dirty="0"/>
+              <a:t> Files</a:t>
+            </a:r>
+          </a:p>
+          <a:p>
+            <a:r>
               <a:rPr lang="en-US" dirty="0"/>
-              <a:t>Summary of GRIT Runs</a:t>
-            </a:r>
-          </a:p>
-        </p:txBody>
-      </p:sp>
-      <p:sp>
-        <p:nvSpPr>
-          <p:cNvPr id="3" name="Subtitle 2">
-            <a:extLst>
-              <a:ext uri="{FF2B5EF4-FFF2-40B4-BE49-F238E27FC236}">
-                <a16:creationId xmlns:a16="http://schemas.microsoft.com/office/drawing/2014/main" id="{E0262723-516C-EE50-072F-295635884526}"/>
-              </a:ext>
-            </a:extLst>
-          </p:cNvPr>
-          <p:cNvSpPr>
-            <a:spLocks noGrp="1"/>
-          </p:cNvSpPr>
-          <p:nvPr>
-            <p:ph type="subTitle" idx="1"/>
-          </p:nvPr>
-        </p:nvSpPr>
-        <p:spPr/>
-        <p:txBody>
-          <a:bodyPr/>
-          <a:lstStyle/>
-          <a:p>
-            <a:endParaRPr lang="en-US" dirty="0"/>
+              <a:t>Assembly 9978 is IP region. </a:t>
+            </a:r>
+          </a:p>
+          <a:p>
+            <a:r>
+              <a:rPr lang="en-US" dirty="0"/>
+              <a:t>Assembly file above that is for entire beamline.</a:t>
+            </a:r>
           </a:p>
         </p:txBody>
       </p:sp>
     </p:spTree>
     <p:extLst>
       <p:ext uri="{BB962C8B-B14F-4D97-AF65-F5344CB8AC3E}">
-        <p14:creationId xmlns:p14="http://schemas.microsoft.com/office/powerpoint/2010/main" val="361395602"/>
+        <p14:creationId xmlns:p14="http://schemas.microsoft.com/office/powerpoint/2010/main" val="1280829066"/>
       </p:ext>
     </p:extLst>
   </p:cSld>
@@ -6262,97 +6327,115 @@
           <a:chExt cx="0" cy="0"/>
         </a:xfrm>
       </p:grpSpPr>
-      <p:pic>
-        <p:nvPicPr>
-          <p:cNvPr id="6" name="Picture 5">
-            <a:extLst>
-              <a:ext uri="{FF2B5EF4-FFF2-40B4-BE49-F238E27FC236}">
-                <a16:creationId xmlns:a16="http://schemas.microsoft.com/office/drawing/2014/main" id="{D00E94F4-E88B-C1CE-D035-6C2684ADF946}"/>
-              </a:ext>
-            </a:extLst>
-          </p:cNvPr>
-          <p:cNvPicPr>
-            <a:picLocks noChangeAspect="1"/>
-          </p:cNvPicPr>
-          <p:nvPr/>
-        </p:nvPicPr>
-        <p:blipFill>
-          <a:blip r:embed="rId2">
-            <a:extLst>
-              <a:ext uri="{28A0092B-C50C-407E-A947-70E740481C1C}">
-                <a14:useLocalDpi xmlns:a14="http://schemas.microsoft.com/office/drawing/2010/main" val="0"/>
-              </a:ext>
-            </a:extLst>
-          </a:blip>
-          <a:stretch>
-            <a:fillRect/>
-          </a:stretch>
-        </p:blipFill>
-        <p:spPr>
-          <a:xfrm>
-            <a:off x="109044" y="489856"/>
-            <a:ext cx="11973912" cy="6310993"/>
-          </a:xfrm>
-          <a:prstGeom prst="rect">
-            <a:avLst/>
-          </a:prstGeom>
-        </p:spPr>
-      </p:pic>
-      <p:sp>
-        <p:nvSpPr>
-          <p:cNvPr id="4" name="TextBox 3">
-            <a:extLst>
-              <a:ext uri="{FF2B5EF4-FFF2-40B4-BE49-F238E27FC236}">
-                <a16:creationId xmlns:a16="http://schemas.microsoft.com/office/drawing/2014/main" id="{FDA9D864-9067-E047-127C-0EE74659BEB2}"/>
-              </a:ext>
-            </a:extLst>
-          </p:cNvPr>
-          <p:cNvSpPr txBox="1"/>
-          <p:nvPr/>
-        </p:nvSpPr>
-        <p:spPr>
-          <a:xfrm>
-            <a:off x="6581671" y="281355"/>
-            <a:ext cx="4712677" cy="923330"/>
-          </a:xfrm>
-          <a:prstGeom prst="rect">
-            <a:avLst/>
-          </a:prstGeom>
-          <a:noFill/>
-        </p:spPr>
-        <p:txBody>
-          <a:bodyPr wrap="square" rtlCol="0">
-            <a:spAutoFit/>
-          </a:bodyPr>
+      <p:sp>
+        <p:nvSpPr>
+          <p:cNvPr id="2" name="Title 1">
+            <a:extLst>
+              <a:ext uri="{FF2B5EF4-FFF2-40B4-BE49-F238E27FC236}">
+                <a16:creationId xmlns:a16="http://schemas.microsoft.com/office/drawing/2014/main" id="{8B4F0B81-9AC8-BC73-03DC-3C6CD05B6E5A}"/>
+              </a:ext>
+            </a:extLst>
+          </p:cNvPr>
+          <p:cNvSpPr>
+            <a:spLocks noGrp="1"/>
+          </p:cNvSpPr>
+          <p:nvPr>
+            <p:ph type="title"/>
+          </p:nvPr>
+        </p:nvSpPr>
+        <p:spPr/>
+        <p:txBody>
+          <a:bodyPr/>
           <a:lstStyle/>
           <a:p>
             <a:r>
-              <a:rPr lang="en-US" b="1" dirty="0" err="1"/>
-              <a:t>Solidwork</a:t>
-            </a:r>
-            <a:r>
-              <a:rPr lang="en-US" b="1" dirty="0"/>
-              <a:t> Files</a:t>
-            </a:r>
-          </a:p>
-          <a:p>
-            <a:r>
               <a:rPr lang="en-US" dirty="0"/>
-              <a:t>Assembly 9978 is IP region. </a:t>
-            </a:r>
-          </a:p>
+              <a:t>Run Plans</a:t>
+            </a:r>
+          </a:p>
+        </p:txBody>
+      </p:sp>
+      <p:sp>
+        <p:nvSpPr>
+          <p:cNvPr id="3" name="Content Placeholder 2">
+            <a:extLst>
+              <a:ext uri="{FF2B5EF4-FFF2-40B4-BE49-F238E27FC236}">
+                <a16:creationId xmlns:a16="http://schemas.microsoft.com/office/drawing/2014/main" id="{0E205207-D6AC-08FB-D7AC-E44F80E75861}"/>
+              </a:ext>
+            </a:extLst>
+          </p:cNvPr>
+          <p:cNvSpPr>
+            <a:spLocks noGrp="1"/>
+          </p:cNvSpPr>
+          <p:nvPr>
+            <p:ph idx="1"/>
+          </p:nvPr>
+        </p:nvSpPr>
+        <p:spPr/>
+        <p:txBody>
+          <a:bodyPr/>
+          <a:lstStyle/>
           <a:p>
             <a:r>
               <a:rPr lang="en-US" dirty="0"/>
-              <a:t>Assembly file above that is for entire beamline.</a:t>
-            </a:r>
+              <a:t>Target smaller spotsize on IP</a:t>
+            </a:r>
+          </a:p>
+          <a:p>
+            <a:pPr lvl="1"/>
+            <a:r>
+              <a:rPr lang="en-US" dirty="0"/>
+              <a:t>Tune with photohybrid correctors</a:t>
+            </a:r>
+          </a:p>
+          <a:p>
+            <a:r>
+              <a:rPr lang="en-US" dirty="0" err="1"/>
+              <a:t>Quadscans</a:t>
+            </a:r>
+            <a:r>
+              <a:rPr lang="en-US" dirty="0"/>
+              <a:t> on screen5</a:t>
+            </a:r>
+          </a:p>
+          <a:p>
+            <a:r>
+              <a:rPr lang="en-US" dirty="0"/>
+              <a:t>Take data showing linac tuning with beam on </a:t>
+            </a:r>
+            <a:r>
+              <a:rPr lang="en-US" dirty="0" err="1"/>
+              <a:t>beamdump</a:t>
+            </a:r>
+            <a:endParaRPr lang="en-US" dirty="0"/>
+          </a:p>
+          <a:p>
+            <a:r>
+              <a:rPr lang="en-US" dirty="0"/>
+              <a:t>Propagate beam through pinhole</a:t>
+            </a:r>
+          </a:p>
+          <a:p>
+            <a:r>
+              <a:rPr lang="en-US" dirty="0"/>
+              <a:t>Charge confirmation, transmission to IP.</a:t>
+            </a:r>
+          </a:p>
+          <a:p>
+            <a:r>
+              <a:rPr lang="en-US" dirty="0"/>
+              <a:t>Jitter measurements of beam</a:t>
+            </a:r>
+          </a:p>
+          <a:p>
+            <a:endParaRPr lang="en-US" dirty="0"/>
           </a:p>
         </p:txBody>
       </p:sp>
     </p:spTree>
     <p:extLst>
       <p:ext uri="{BB962C8B-B14F-4D97-AF65-F5344CB8AC3E}">
-        <p14:creationId xmlns:p14="http://schemas.microsoft.com/office/powerpoint/2010/main" val="1280829066"/>
+        <p14:creationId xmlns:p14="http://schemas.microsoft.com/office/powerpoint/2010/main" val="2190818754"/>
       </p:ext>
     </p:extLst>
   </p:cSld>
@@ -6402,7 +6485,7 @@
           <a:p>
             <a:r>
               <a:rPr lang="en-US" dirty="0"/>
-              <a:t>Beamline To do</a:t>
+              <a:t>To do list</a:t>
             </a:r>
           </a:p>
         </p:txBody>
@@ -6423,69 +6506,39 @@
             <p:ph idx="1"/>
           </p:nvPr>
         </p:nvSpPr>
-        <p:spPr/>
-        <p:txBody>
-          <a:bodyPr/>
+        <p:spPr>
+          <a:xfrm>
+            <a:off x="838200" y="1690688"/>
+            <a:ext cx="10515600" cy="4351338"/>
+          </a:xfrm>
+        </p:spPr>
+        <p:txBody>
+          <a:bodyPr>
+            <a:normAutofit/>
+          </a:bodyPr>
           <a:lstStyle/>
           <a:p>
             <a:r>
               <a:rPr lang="en-US" dirty="0"/>
-              <a:t>Camera field of view</a:t>
+              <a:t>Hall probe interlock</a:t>
             </a:r>
           </a:p>
           <a:p>
             <a:r>
               <a:rPr lang="en-US" dirty="0"/>
-              <a:t>Logistics for installation</a:t>
-            </a:r>
-          </a:p>
-          <a:p>
-            <a:pPr lvl="1"/>
-            <a:r>
-              <a:rPr lang="en-US" dirty="0" err="1"/>
-              <a:t>Popins</a:t>
-            </a:r>
-            <a:endParaRPr lang="en-US" dirty="0"/>
-          </a:p>
-          <a:p>
-            <a:pPr lvl="2"/>
+              <a:t>Rearrange power supplies.</a:t>
+            </a:r>
+          </a:p>
+          <a:p>
             <a:r>
               <a:rPr lang="en-US" dirty="0"/>
-              <a:t>Enough air hoses</a:t>
-            </a:r>
-          </a:p>
-          <a:p>
-            <a:pPr lvl="1"/>
+              <a:t>Dipole power supply</a:t>
+            </a:r>
+          </a:p>
+          <a:p>
             <a:r>
               <a:rPr lang="en-US" dirty="0"/>
-              <a:t>Cameras</a:t>
-            </a:r>
-          </a:p>
-          <a:p>
-            <a:pPr lvl="2"/>
-            <a:r>
-              <a:rPr lang="en-US" dirty="0"/>
-              <a:t>Lenses</a:t>
-            </a:r>
-          </a:p>
-          <a:p>
-            <a:pPr lvl="2"/>
-            <a:r>
-              <a:rPr lang="en-US" dirty="0"/>
-              <a:t>Power cables</a:t>
-            </a:r>
-          </a:p>
-          <a:p>
-            <a:pPr lvl="2"/>
-            <a:r>
-              <a:rPr lang="en-US" dirty="0"/>
-              <a:t>Ethernet </a:t>
-            </a:r>
-          </a:p>
-          <a:p>
-            <a:r>
-              <a:rPr lang="en-US" dirty="0"/>
-              <a:t>Cameras slide for Marcos</a:t>
+              <a:t>Alignment laser</a:t>
             </a:r>
           </a:p>
         </p:txBody>
@@ -6525,7 +6578,7 @@
           <p:cNvPr id="2" name="Title 1">
             <a:extLst>
               <a:ext uri="{FF2B5EF4-FFF2-40B4-BE49-F238E27FC236}">
-                <a16:creationId xmlns:a16="http://schemas.microsoft.com/office/drawing/2014/main" id="{44EDBCB1-D3A7-5160-B233-05877092D40A}"/>
+                <a16:creationId xmlns:a16="http://schemas.microsoft.com/office/drawing/2014/main" id="{4B27C774-81B9-65BB-492A-356EDCC16F76}"/>
               </a:ext>
             </a:extLst>
           </p:cNvPr>
@@ -6543,7 +6596,7 @@
           <a:p>
             <a:r>
               <a:rPr lang="en-US" dirty="0"/>
-              <a:t>Friday, 8/9/24</a:t>
+              <a:t>Installation</a:t>
             </a:r>
           </a:p>
         </p:txBody>
@@ -6553,7 +6606,7 @@
           <p:cNvPr id="3" name="Content Placeholder 2">
             <a:extLst>
               <a:ext uri="{FF2B5EF4-FFF2-40B4-BE49-F238E27FC236}">
-                <a16:creationId xmlns:a16="http://schemas.microsoft.com/office/drawing/2014/main" id="{A45CD24B-4AF1-98D3-4452-296DDEC55053}"/>
+                <a16:creationId xmlns:a16="http://schemas.microsoft.com/office/drawing/2014/main" id="{7349F9C3-034D-B0A0-0CAA-37ECD4328F01}"/>
               </a:ext>
             </a:extLst>
           </p:cNvPr>
@@ -6570,42 +6623,61 @@
           <a:lstStyle/>
           <a:p>
             <a:r>
+              <a:rPr lang="en-US" dirty="0" err="1"/>
+              <a:t>Popins</a:t>
+            </a:r>
+            <a:endParaRPr lang="en-US" dirty="0"/>
+          </a:p>
+          <a:p>
+            <a:pPr lvl="1"/>
+            <a:r>
               <a:rPr lang="en-US" dirty="0"/>
-              <a:t>Changed gun temps back to nominal values</a:t>
+              <a:t>Air connections, PLC controls/cables</a:t>
+            </a:r>
+          </a:p>
+          <a:p>
+            <a:r>
+              <a:rPr lang="en-US" dirty="0"/>
+              <a:t>Cameras</a:t>
             </a:r>
           </a:p>
           <a:p>
             <a:pPr lvl="1"/>
             <a:r>
               <a:rPr lang="en-US" dirty="0"/>
-              <a:t>Chiller1: 30 C</a:t>
+              <a:t>Lenses</a:t>
             </a:r>
           </a:p>
           <a:p>
             <a:pPr lvl="1"/>
             <a:r>
               <a:rPr lang="en-US" dirty="0"/>
-              <a:t>Chiller2: 27.5 C</a:t>
+              <a:t>Power cables</a:t>
             </a:r>
           </a:p>
           <a:p>
             <a:pPr lvl="1"/>
             <a:r>
               <a:rPr lang="en-US" dirty="0"/>
-              <a:t>Chiller3: 26.5 C</a:t>
+              <a:t>Ethernet </a:t>
             </a:r>
           </a:p>
           <a:p>
             <a:r>
               <a:rPr lang="en-US" dirty="0"/>
-              <a:t>Checked alignment on IP and Cam5</a:t>
-            </a:r>
-          </a:p>
-          <a:p>
+              <a:t>Steering magnets</a:t>
+            </a:r>
+          </a:p>
+          <a:p>
+            <a:pPr lvl="1"/>
             <a:r>
               <a:rPr lang="en-US" dirty="0"/>
-              <a:t>Gun and Quad scan</a:t>
-            </a:r>
+              <a:t>Power supplies</a:t>
+            </a:r>
+          </a:p>
+          <a:p>
+            <a:pPr lvl="1"/>
+            <a:endParaRPr lang="en-US" dirty="0"/>
           </a:p>
           <a:p>
             <a:endParaRPr lang="en-US" dirty="0"/>
@@ -6615,7 +6687,7 @@
     </p:spTree>
     <p:extLst>
       <p:ext uri="{BB962C8B-B14F-4D97-AF65-F5344CB8AC3E}">
-        <p14:creationId xmlns:p14="http://schemas.microsoft.com/office/powerpoint/2010/main" val="2294252913"/>
+        <p14:creationId xmlns:p14="http://schemas.microsoft.com/office/powerpoint/2010/main" val="2323357327"/>
       </p:ext>
     </p:extLst>
   </p:cSld>
@@ -6647,7 +6719,7 @@
           <p:cNvPr id="2" name="Title 1">
             <a:extLst>
               <a:ext uri="{FF2B5EF4-FFF2-40B4-BE49-F238E27FC236}">
-                <a16:creationId xmlns:a16="http://schemas.microsoft.com/office/drawing/2014/main" id="{866F4E23-ED44-371E-0F57-4449ADA2A513}"/>
+                <a16:creationId xmlns:a16="http://schemas.microsoft.com/office/drawing/2014/main" id="{44EDBCB1-D3A7-5160-B233-05877092D40A}"/>
               </a:ext>
             </a:extLst>
           </p:cNvPr>
@@ -6664,12 +6736,8 @@
           <a:lstStyle/>
           <a:p>
             <a:r>
-              <a:rPr lang="en-US" dirty="0" err="1"/>
-              <a:t>Gunphase</a:t>
-            </a:r>
-            <a:r>
               <a:rPr lang="en-US" dirty="0"/>
-              <a:t> scan</a:t>
+              <a:t>Friday, 8/9/24</a:t>
             </a:r>
           </a:p>
         </p:txBody>
@@ -6679,7 +6747,7 @@
           <p:cNvPr id="3" name="Content Placeholder 2">
             <a:extLst>
               <a:ext uri="{FF2B5EF4-FFF2-40B4-BE49-F238E27FC236}">
-                <a16:creationId xmlns:a16="http://schemas.microsoft.com/office/drawing/2014/main" id="{D72D6F45-5010-ABF0-638A-87A530C44432}"/>
+                <a16:creationId xmlns:a16="http://schemas.microsoft.com/office/drawing/2014/main" id="{A45CD24B-4AF1-98D3-4452-296DDEC55053}"/>
               </a:ext>
             </a:extLst>
           </p:cNvPr>
@@ -6690,27 +6758,176 @@
             <p:ph idx="1"/>
           </p:nvPr>
         </p:nvSpPr>
+        <p:spPr/>
+        <p:txBody>
+          <a:bodyPr/>
+          <a:lstStyle/>
+          <a:p>
+            <a:r>
+              <a:rPr lang="en-US" dirty="0"/>
+              <a:t>Changed gun temps back to nominal values</a:t>
+            </a:r>
+          </a:p>
+          <a:p>
+            <a:pPr lvl="1"/>
+            <a:r>
+              <a:rPr lang="en-US" dirty="0"/>
+              <a:t>Chiller1: 30 C</a:t>
+            </a:r>
+          </a:p>
+          <a:p>
+            <a:pPr lvl="1"/>
+            <a:r>
+              <a:rPr lang="en-US" dirty="0"/>
+              <a:t>Chiller2: 27.5 C</a:t>
+            </a:r>
+          </a:p>
+          <a:p>
+            <a:pPr lvl="1"/>
+            <a:r>
+              <a:rPr lang="en-US" dirty="0"/>
+              <a:t>Chiller3: 26.5 C</a:t>
+            </a:r>
+          </a:p>
+          <a:p>
+            <a:r>
+              <a:rPr lang="en-US" dirty="0"/>
+              <a:t>Alignment between IP and Cam5</a:t>
+            </a:r>
+          </a:p>
+          <a:p>
+            <a:pPr lvl="1"/>
+            <a:r>
+              <a:rPr lang="en-US" dirty="0"/>
+              <a:t>Very different. Beam found on dump with nearly 0 A on steering 4.</a:t>
+            </a:r>
+          </a:p>
+          <a:p>
+            <a:pPr lvl="1"/>
+            <a:r>
+              <a:rPr lang="en-US" dirty="0"/>
+              <a:t>Can we move laser/pinhole to match </a:t>
+            </a:r>
+            <a:r>
+              <a:rPr lang="en-US" dirty="0" err="1"/>
+              <a:t>ebeam</a:t>
+            </a:r>
+            <a:r>
+              <a:rPr lang="en-US" dirty="0"/>
+              <a:t> axis?</a:t>
+            </a:r>
+          </a:p>
+          <a:p>
+            <a:r>
+              <a:rPr lang="en-US" dirty="0"/>
+              <a:t>Gun and Quad scan</a:t>
+            </a:r>
+          </a:p>
+          <a:p>
+            <a:endParaRPr lang="en-US" dirty="0"/>
+          </a:p>
+        </p:txBody>
+      </p:sp>
+    </p:spTree>
+    <p:extLst>
+      <p:ext uri="{BB962C8B-B14F-4D97-AF65-F5344CB8AC3E}">
+        <p14:creationId xmlns:p14="http://schemas.microsoft.com/office/powerpoint/2010/main" val="2294252913"/>
+      </p:ext>
+    </p:extLst>
+  </p:cSld>
+  <p:clrMapOvr>
+    <a:masterClrMapping/>
+  </p:clrMapOvr>
+</p:sld>
+</file>
+
+<file path=ppt/slides/slide6.xml><?xml version="1.0" encoding="utf-8"?>
+<p:sld xmlns:a="http://schemas.openxmlformats.org/drawingml/2006/main" xmlns:r="http://schemas.openxmlformats.org/officeDocument/2006/relationships" xmlns:p="http://schemas.openxmlformats.org/presentationml/2006/main">
+  <p:cSld>
+    <p:spTree>
+      <p:nvGrpSpPr>
+        <p:cNvPr id="1" name=""/>
+        <p:cNvGrpSpPr/>
+        <p:nvPr/>
+      </p:nvGrpSpPr>
+      <p:grpSpPr>
+        <a:xfrm>
+          <a:off x="0" y="0"/>
+          <a:ext cx="0" cy="0"/>
+          <a:chOff x="0" y="0"/>
+          <a:chExt cx="0" cy="0"/>
+        </a:xfrm>
+      </p:grpSpPr>
+      <p:sp>
+        <p:nvSpPr>
+          <p:cNvPr id="2" name="Title 1">
+            <a:extLst>
+              <a:ext uri="{FF2B5EF4-FFF2-40B4-BE49-F238E27FC236}">
+                <a16:creationId xmlns:a16="http://schemas.microsoft.com/office/drawing/2014/main" id="{866F4E23-ED44-371E-0F57-4449ADA2A513}"/>
+              </a:ext>
+            </a:extLst>
+          </p:cNvPr>
+          <p:cNvSpPr>
+            <a:spLocks noGrp="1"/>
+          </p:cNvSpPr>
+          <p:nvPr>
+            <p:ph type="title"/>
+          </p:nvPr>
+        </p:nvSpPr>
+        <p:spPr/>
+        <p:txBody>
+          <a:bodyPr/>
+          <a:lstStyle/>
+          <a:p>
+            <a:r>
+              <a:rPr lang="en-US" dirty="0" err="1"/>
+              <a:t>Gunphase</a:t>
+            </a:r>
+            <a:r>
+              <a:rPr lang="en-US" dirty="0"/>
+              <a:t> scan</a:t>
+            </a:r>
+          </a:p>
+        </p:txBody>
+      </p:sp>
+      <p:sp>
+        <p:nvSpPr>
+          <p:cNvPr id="3" name="Content Placeholder 2">
+            <a:extLst>
+              <a:ext uri="{FF2B5EF4-FFF2-40B4-BE49-F238E27FC236}">
+                <a16:creationId xmlns:a16="http://schemas.microsoft.com/office/drawing/2014/main" id="{D72D6F45-5010-ABF0-638A-87A530C44432}"/>
+              </a:ext>
+            </a:extLst>
+          </p:cNvPr>
+          <p:cNvSpPr>
+            <a:spLocks noGrp="1"/>
+          </p:cNvSpPr>
+          <p:nvPr>
+            <p:ph idx="1"/>
+          </p:nvPr>
+        </p:nvSpPr>
         <p:spPr>
           <a:xfrm>
             <a:off x="211853" y="1564368"/>
-            <a:ext cx="5884147" cy="1317624"/>
+            <a:ext cx="5884147" cy="2443428"/>
           </a:xfrm>
         </p:spPr>
         <p:txBody>
           <a:bodyPr>
-            <a:normAutofit fontScale="70000" lnSpcReduction="20000"/>
+            <a:normAutofit/>
           </a:bodyPr>
           <a:lstStyle/>
           <a:p>
             <a:r>
               <a:rPr lang="en-US" dirty="0"/>
-              <a:t>Scaled pixel sum (subtract minimum)</a:t>
-            </a:r>
-          </a:p>
-          <a:p>
+              <a:t>Charge and pixel sum</a:t>
+            </a:r>
+          </a:p>
+          <a:p>
+            <a:pPr lvl="1"/>
             <a:r>
               <a:rPr lang="en-US" dirty="0"/>
-              <a:t>Redo with laser off.</a:t>
+              <a:t>Why the “shift”. Revisit when second ICT on beamline.</a:t>
             </a:r>
           </a:p>
           <a:p>
@@ -6723,7 +6940,7 @@
             <a:pPr lvl="1"/>
             <a:r>
               <a:rPr lang="en-US" dirty="0"/>
-              <a:t>Ask Maksim about how charge scan was measured.  </a:t>
+              <a:t>Towards the compression point.</a:t>
             </a:r>
           </a:p>
         </p:txBody>
@@ -6812,138 +7029,6 @@
 </p:sld>
 </file>
 
-<file path=ppt/slides/slide6.xml><?xml version="1.0" encoding="utf-8"?>
-<p:sld xmlns:a="http://schemas.openxmlformats.org/drawingml/2006/main" xmlns:r="http://schemas.openxmlformats.org/officeDocument/2006/relationships" xmlns:p="http://schemas.openxmlformats.org/presentationml/2006/main">
-  <p:cSld>
-    <p:spTree>
-      <p:nvGrpSpPr>
-        <p:cNvPr id="1" name=""/>
-        <p:cNvGrpSpPr/>
-        <p:nvPr/>
-      </p:nvGrpSpPr>
-      <p:grpSpPr>
-        <a:xfrm>
-          <a:off x="0" y="0"/>
-          <a:ext cx="0" cy="0"/>
-          <a:chOff x="0" y="0"/>
-          <a:chExt cx="0" cy="0"/>
-        </a:xfrm>
-      </p:grpSpPr>
-      <p:sp>
-        <p:nvSpPr>
-          <p:cNvPr id="2" name="Title 1">
-            <a:extLst>
-              <a:ext uri="{FF2B5EF4-FFF2-40B4-BE49-F238E27FC236}">
-                <a16:creationId xmlns:a16="http://schemas.microsoft.com/office/drawing/2014/main" id="{7B2A8E3C-BB36-D373-3515-D7FA15110DE5}"/>
-              </a:ext>
-            </a:extLst>
-          </p:cNvPr>
-          <p:cNvSpPr>
-            <a:spLocks noGrp="1"/>
-          </p:cNvSpPr>
-          <p:nvPr>
-            <p:ph type="title"/>
-          </p:nvPr>
-        </p:nvSpPr>
-        <p:spPr/>
-        <p:txBody>
-          <a:bodyPr/>
-          <a:lstStyle/>
-          <a:p>
-            <a:r>
-              <a:rPr lang="en-US" dirty="0"/>
-              <a:t>Quad Scans</a:t>
-            </a:r>
-          </a:p>
-        </p:txBody>
-      </p:sp>
-      <p:sp>
-        <p:nvSpPr>
-          <p:cNvPr id="3" name="Content Placeholder 2">
-            <a:extLst>
-              <a:ext uri="{FF2B5EF4-FFF2-40B4-BE49-F238E27FC236}">
-                <a16:creationId xmlns:a16="http://schemas.microsoft.com/office/drawing/2014/main" id="{D131BB8A-ED3E-AE52-AA27-B333048404CE}"/>
-              </a:ext>
-            </a:extLst>
-          </p:cNvPr>
-          <p:cNvSpPr>
-            <a:spLocks noGrp="1"/>
-          </p:cNvSpPr>
-          <p:nvPr>
-            <p:ph idx="1"/>
-          </p:nvPr>
-        </p:nvSpPr>
-        <p:spPr/>
-        <p:txBody>
-          <a:bodyPr/>
-          <a:lstStyle/>
-          <a:p>
-            <a:r>
-              <a:rPr lang="en-US" dirty="0"/>
-              <a:t>Created simple matrix model in Python. </a:t>
-            </a:r>
-          </a:p>
-          <a:p>
-            <a:pPr lvl="1"/>
-            <a:r>
-              <a:rPr lang="en-US" dirty="0"/>
-              <a:t>Checked against elegant simulation</a:t>
-            </a:r>
-          </a:p>
-          <a:p>
-            <a:r>
-              <a:rPr lang="en-US" dirty="0"/>
-              <a:t>Given quad currents and </a:t>
-            </a:r>
-            <a:r>
-              <a:rPr lang="en-US" dirty="0" err="1"/>
-              <a:t>spotsizes</a:t>
-            </a:r>
-            <a:r>
-              <a:rPr lang="en-US" dirty="0"/>
-              <a:t>, optimize beam matrix to minimize error between simulation and data</a:t>
-            </a:r>
-          </a:p>
-          <a:p>
-            <a:pPr lvl="1"/>
-            <a:r>
-              <a:rPr lang="en-US" dirty="0"/>
-              <a:t>Estimates emittance</a:t>
-            </a:r>
-          </a:p>
-          <a:p>
-            <a:pPr lvl="1"/>
-            <a:r>
-              <a:rPr lang="en-US" dirty="0"/>
-              <a:t>Gives input </a:t>
-            </a:r>
-            <a:r>
-              <a:rPr lang="en-US" dirty="0" err="1"/>
-              <a:t>twiss</a:t>
-            </a:r>
-            <a:r>
-              <a:rPr lang="en-US" dirty="0"/>
-              <a:t> parameters for elegant simulation</a:t>
-            </a:r>
-          </a:p>
-          <a:p>
-            <a:endParaRPr lang="en-US" dirty="0"/>
-          </a:p>
-        </p:txBody>
-      </p:sp>
-    </p:spTree>
-    <p:extLst>
-      <p:ext uri="{BB962C8B-B14F-4D97-AF65-F5344CB8AC3E}">
-        <p14:creationId xmlns:p14="http://schemas.microsoft.com/office/powerpoint/2010/main" val="2050359048"/>
-      </p:ext>
-    </p:extLst>
-  </p:cSld>
-  <p:clrMapOvr>
-    <a:masterClrMapping/>
-  </p:clrMapOvr>
-</p:sld>
-</file>
-
 <file path=ppt/slides/slide7.xml><?xml version="1.0" encoding="utf-8"?>
 <p:sld xmlns:a="http://schemas.openxmlformats.org/drawingml/2006/main" xmlns:r="http://schemas.openxmlformats.org/officeDocument/2006/relationships" xmlns:p="http://schemas.openxmlformats.org/presentationml/2006/main">
   <p:cSld>
@@ -6966,7 +7051,7 @@
           <p:cNvPr id="2" name="Title 1">
             <a:extLst>
               <a:ext uri="{FF2B5EF4-FFF2-40B4-BE49-F238E27FC236}">
-                <a16:creationId xmlns:a16="http://schemas.microsoft.com/office/drawing/2014/main" id="{67043E58-917D-F0EB-3001-6027C60C18A4}"/>
+                <a16:creationId xmlns:a16="http://schemas.microsoft.com/office/drawing/2014/main" id="{A8466249-8752-5058-4149-07D436F99C0C}"/>
               </a:ext>
             </a:extLst>
           </p:cNvPr>
@@ -6984,821 +7069,17 @@
           <a:p>
             <a:r>
               <a:rPr lang="en-US" dirty="0"/>
-              <a:t>Cameras</a:t>
-            </a:r>
-          </a:p>
-        </p:txBody>
-      </p:sp>
-      <p:graphicFrame>
-        <p:nvGraphicFramePr>
-          <p:cNvPr id="5" name="Table 4">
-            <a:extLst>
-              <a:ext uri="{FF2B5EF4-FFF2-40B4-BE49-F238E27FC236}">
-                <a16:creationId xmlns:a16="http://schemas.microsoft.com/office/drawing/2014/main" id="{F0792B3F-7AA8-4136-2344-5CCF2F2086DD}"/>
-              </a:ext>
-            </a:extLst>
-          </p:cNvPr>
-          <p:cNvGraphicFramePr>
-            <a:graphicFrameLocks noGrp="1"/>
-          </p:cNvGraphicFramePr>
-          <p:nvPr>
-            <p:extLst>
-              <p:ext uri="{D42A27DB-BD31-4B8C-83A1-F6EECF244321}">
-                <p14:modId xmlns:p14="http://schemas.microsoft.com/office/powerpoint/2010/main" val="3406251157"/>
-              </p:ext>
-            </p:extLst>
-          </p:nvPr>
-        </p:nvGraphicFramePr>
-        <p:xfrm>
-          <a:off x="371789" y="2973252"/>
-          <a:ext cx="11183814" cy="2763520"/>
-        </p:xfrm>
-        <a:graphic>
-          <a:graphicData uri="http://schemas.openxmlformats.org/drawingml/2006/table">
-            <a:tbl>
-              <a:tblPr firstRow="1" bandRow="1">
-                <a:tableStyleId>{5C22544A-7EE6-4342-B048-85BDC9FD1C3A}</a:tableStyleId>
-              </a:tblPr>
-              <a:tblGrid>
-                <a:gridCol w="1242646">
-                  <a:extLst>
-                    <a:ext uri="{9D8B030D-6E8A-4147-A177-3AD203B41FA5}">
-                      <a16:colId xmlns:a16="http://schemas.microsoft.com/office/drawing/2014/main" val="1791007753"/>
-                    </a:ext>
-                  </a:extLst>
-                </a:gridCol>
-                <a:gridCol w="1242646">
-                  <a:extLst>
-                    <a:ext uri="{9D8B030D-6E8A-4147-A177-3AD203B41FA5}">
-                      <a16:colId xmlns:a16="http://schemas.microsoft.com/office/drawing/2014/main" val="1106336193"/>
-                    </a:ext>
-                  </a:extLst>
-                </a:gridCol>
-                <a:gridCol w="1242646">
-                  <a:extLst>
-                    <a:ext uri="{9D8B030D-6E8A-4147-A177-3AD203B41FA5}">
-                      <a16:colId xmlns:a16="http://schemas.microsoft.com/office/drawing/2014/main" val="2237510529"/>
-                    </a:ext>
-                  </a:extLst>
-                </a:gridCol>
-                <a:gridCol w="1242646">
-                  <a:extLst>
-                    <a:ext uri="{9D8B030D-6E8A-4147-A177-3AD203B41FA5}">
-                      <a16:colId xmlns:a16="http://schemas.microsoft.com/office/drawing/2014/main" val="1303269236"/>
-                    </a:ext>
-                  </a:extLst>
-                </a:gridCol>
-                <a:gridCol w="1242646">
-                  <a:extLst>
-                    <a:ext uri="{9D8B030D-6E8A-4147-A177-3AD203B41FA5}">
-                      <a16:colId xmlns:a16="http://schemas.microsoft.com/office/drawing/2014/main" val="2857715678"/>
-                    </a:ext>
-                  </a:extLst>
-                </a:gridCol>
-                <a:gridCol w="1242646">
-                  <a:extLst>
-                    <a:ext uri="{9D8B030D-6E8A-4147-A177-3AD203B41FA5}">
-                      <a16:colId xmlns:a16="http://schemas.microsoft.com/office/drawing/2014/main" val="691466543"/>
-                    </a:ext>
-                  </a:extLst>
-                </a:gridCol>
-                <a:gridCol w="1242646">
-                  <a:extLst>
-                    <a:ext uri="{9D8B030D-6E8A-4147-A177-3AD203B41FA5}">
-                      <a16:colId xmlns:a16="http://schemas.microsoft.com/office/drawing/2014/main" val="2330082125"/>
-                    </a:ext>
-                  </a:extLst>
-                </a:gridCol>
-                <a:gridCol w="1242646">
-                  <a:extLst>
-                    <a:ext uri="{9D8B030D-6E8A-4147-A177-3AD203B41FA5}">
-                      <a16:colId xmlns:a16="http://schemas.microsoft.com/office/drawing/2014/main" val="2701698862"/>
-                    </a:ext>
-                  </a:extLst>
-                </a:gridCol>
-                <a:gridCol w="1242646">
-                  <a:extLst>
-                    <a:ext uri="{9D8B030D-6E8A-4147-A177-3AD203B41FA5}">
-                      <a16:colId xmlns:a16="http://schemas.microsoft.com/office/drawing/2014/main" val="1670773241"/>
-                    </a:ext>
-                  </a:extLst>
-                </a:gridCol>
-              </a:tblGrid>
-              <a:tr h="370840">
-                <a:tc>
-                  <a:txBody>
-                    <a:bodyPr/>
-                    <a:lstStyle/>
-                    <a:p>
-                      <a:endParaRPr lang="en-US" dirty="0"/>
-                    </a:p>
-                  </a:txBody>
-                  <a:tcPr/>
-                </a:tc>
-                <a:tc>
-                  <a:txBody>
-                    <a:bodyPr/>
-                    <a:lstStyle/>
-                    <a:p>
-                      <a:r>
-                        <a:rPr lang="en-US" dirty="0"/>
-                        <a:t>Cam1</a:t>
-                      </a:r>
-                    </a:p>
-                  </a:txBody>
-                  <a:tcPr/>
-                </a:tc>
-                <a:tc>
-                  <a:txBody>
-                    <a:bodyPr/>
-                    <a:lstStyle/>
-                    <a:p>
-                      <a:r>
-                        <a:rPr lang="en-US" dirty="0"/>
-                        <a:t>Cam2</a:t>
-                      </a:r>
-                    </a:p>
-                  </a:txBody>
-                  <a:tcPr/>
-                </a:tc>
-                <a:tc>
-                  <a:txBody>
-                    <a:bodyPr/>
-                    <a:lstStyle/>
-                    <a:p>
-                      <a:r>
-                        <a:rPr lang="en-US" dirty="0"/>
-                        <a:t>Cam3</a:t>
-                      </a:r>
-                    </a:p>
-                  </a:txBody>
-                  <a:tcPr/>
-                </a:tc>
-                <a:tc>
-                  <a:txBody>
-                    <a:bodyPr/>
-                    <a:lstStyle/>
-                    <a:p>
-                      <a:r>
-                        <a:rPr lang="en-US" dirty="0"/>
-                        <a:t>IP</a:t>
-                      </a:r>
-                    </a:p>
-                  </a:txBody>
-                  <a:tcPr/>
-                </a:tc>
-                <a:tc>
-                  <a:txBody>
-                    <a:bodyPr/>
-                    <a:lstStyle/>
-                    <a:p>
-                      <a:r>
-                        <a:rPr lang="en-US" dirty="0"/>
-                        <a:t>Cam5</a:t>
-                      </a:r>
-                    </a:p>
-                  </a:txBody>
-                  <a:tcPr/>
-                </a:tc>
-                <a:tc>
-                  <a:txBody>
-                    <a:bodyPr/>
-                    <a:lstStyle/>
-                    <a:p>
-                      <a:r>
-                        <a:rPr lang="en-US" dirty="0"/>
-                        <a:t>Beam Dump</a:t>
-                      </a:r>
-                    </a:p>
-                  </a:txBody>
-                  <a:tcPr/>
-                </a:tc>
-                <a:tc>
-                  <a:txBody>
-                    <a:bodyPr/>
-                    <a:lstStyle/>
-                    <a:p>
-                      <a:r>
-                        <a:rPr lang="en-US" dirty="0"/>
-                        <a:t>Extra</a:t>
-                      </a:r>
-                    </a:p>
-                  </a:txBody>
-                  <a:tcPr/>
-                </a:tc>
-                <a:tc>
-                  <a:txBody>
-                    <a:bodyPr/>
-                    <a:lstStyle/>
-                    <a:p>
-                      <a:r>
-                        <a:rPr lang="en-US" dirty="0"/>
-                        <a:t>Extra</a:t>
-                      </a:r>
-                    </a:p>
-                  </a:txBody>
-                  <a:tcPr/>
-                </a:tc>
-                <a:extLst>
-                  <a:ext uri="{0D108BD9-81ED-4DB2-BD59-A6C34878D82A}">
-                    <a16:rowId xmlns:a16="http://schemas.microsoft.com/office/drawing/2014/main" val="290723833"/>
-                  </a:ext>
-                </a:extLst>
-              </a:tr>
-              <a:tr h="370840">
-                <a:tc>
-                  <a:txBody>
-                    <a:bodyPr/>
-                    <a:lstStyle/>
-                    <a:p>
-                      <a:r>
-                        <a:rPr lang="en-US" dirty="0"/>
-                        <a:t>Screen</a:t>
-                      </a:r>
-                    </a:p>
-                  </a:txBody>
-                  <a:tcPr/>
-                </a:tc>
-                <a:tc>
-                  <a:txBody>
-                    <a:bodyPr/>
-                    <a:lstStyle/>
-                    <a:p>
-                      <a:r>
-                        <a:rPr lang="en-US" dirty="0"/>
-                        <a:t>1” </a:t>
-                      </a:r>
-                      <a:r>
-                        <a:rPr lang="en-US" dirty="0" err="1"/>
-                        <a:t>yag</a:t>
-                      </a:r>
-                      <a:endParaRPr lang="en-US" dirty="0"/>
-                    </a:p>
-                  </a:txBody>
-                  <a:tcPr/>
-                </a:tc>
-                <a:tc>
-                  <a:txBody>
-                    <a:bodyPr/>
-                    <a:lstStyle/>
-                    <a:p>
-                      <a:r>
-                        <a:rPr lang="en-US" dirty="0"/>
-                        <a:t>1” </a:t>
-                      </a:r>
-                      <a:r>
-                        <a:rPr lang="en-US" dirty="0" err="1"/>
-                        <a:t>yag</a:t>
-                      </a:r>
-                      <a:endParaRPr lang="en-US" dirty="0"/>
-                    </a:p>
-                  </a:txBody>
-                  <a:tcPr/>
-                </a:tc>
-                <a:tc>
-                  <a:txBody>
-                    <a:bodyPr/>
-                    <a:lstStyle/>
-                    <a:p>
-                      <a:r>
-                        <a:rPr lang="en-US" dirty="0"/>
-                        <a:t>½” OTR</a:t>
-                      </a:r>
-                    </a:p>
-                  </a:txBody>
-                  <a:tcPr/>
-                </a:tc>
-                <a:tc>
-                  <a:txBody>
-                    <a:bodyPr/>
-                    <a:lstStyle/>
-                    <a:p>
-                      <a:r>
-                        <a:rPr lang="en-US" dirty="0"/>
-                        <a:t>½” OTR</a:t>
-                      </a:r>
-                    </a:p>
-                  </a:txBody>
-                  <a:tcPr/>
-                </a:tc>
-                <a:tc>
-                  <a:txBody>
-                    <a:bodyPr/>
-                    <a:lstStyle/>
-                    <a:p>
-                      <a:r>
-                        <a:rPr lang="en-US" dirty="0"/>
-                        <a:t>½ OTR</a:t>
-                      </a:r>
-                    </a:p>
-                  </a:txBody>
-                  <a:tcPr/>
-                </a:tc>
-                <a:tc>
-                  <a:txBody>
-                    <a:bodyPr/>
-                    <a:lstStyle/>
-                    <a:p>
-                      <a:r>
-                        <a:rPr lang="en-US" dirty="0"/>
-                        <a:t>1” </a:t>
-                      </a:r>
-                      <a:r>
-                        <a:rPr lang="en-US" dirty="0" err="1"/>
-                        <a:t>yag</a:t>
-                      </a:r>
-                      <a:endParaRPr lang="en-US" dirty="0"/>
-                    </a:p>
-                  </a:txBody>
-                  <a:tcPr/>
-                </a:tc>
-                <a:tc>
-                  <a:txBody>
-                    <a:bodyPr/>
-                    <a:lstStyle/>
-                    <a:p>
-                      <a:endParaRPr lang="en-US"/>
-                    </a:p>
-                  </a:txBody>
-                  <a:tcPr/>
-                </a:tc>
-                <a:tc>
-                  <a:txBody>
-                    <a:bodyPr/>
-                    <a:lstStyle/>
-                    <a:p>
-                      <a:endParaRPr lang="en-US"/>
-                    </a:p>
-                  </a:txBody>
-                  <a:tcPr/>
-                </a:tc>
-                <a:extLst>
-                  <a:ext uri="{0D108BD9-81ED-4DB2-BD59-A6C34878D82A}">
-                    <a16:rowId xmlns:a16="http://schemas.microsoft.com/office/drawing/2014/main" val="2093407026"/>
-                  </a:ext>
-                </a:extLst>
-              </a:tr>
-              <a:tr h="370840">
-                <a:tc>
-                  <a:txBody>
-                    <a:bodyPr/>
-                    <a:lstStyle/>
-                    <a:p>
-                      <a:r>
-                        <a:rPr lang="en-US" dirty="0"/>
-                        <a:t>Visible Aperture</a:t>
-                      </a:r>
-                    </a:p>
-                  </a:txBody>
-                  <a:tcPr/>
-                </a:tc>
-                <a:tc>
-                  <a:txBody>
-                    <a:bodyPr/>
-                    <a:lstStyle/>
-                    <a:p>
-                      <a:r>
-                        <a:rPr lang="en-US" dirty="0"/>
-                        <a:t>18mm</a:t>
-                      </a:r>
-                    </a:p>
-                  </a:txBody>
-                  <a:tcPr/>
-                </a:tc>
-                <a:tc>
-                  <a:txBody>
-                    <a:bodyPr/>
-                    <a:lstStyle/>
-                    <a:p>
-                      <a:r>
-                        <a:rPr lang="en-US" dirty="0"/>
-                        <a:t>18mm</a:t>
-                      </a:r>
-                    </a:p>
-                  </a:txBody>
-                  <a:tcPr/>
-                </a:tc>
-                <a:tc>
-                  <a:txBody>
-                    <a:bodyPr/>
-                    <a:lstStyle/>
-                    <a:p>
-                      <a:r>
-                        <a:rPr lang="en-US" dirty="0"/>
-                        <a:t>9mm</a:t>
-                      </a:r>
-                    </a:p>
-                  </a:txBody>
-                  <a:tcPr/>
-                </a:tc>
-                <a:tc>
-                  <a:txBody>
-                    <a:bodyPr/>
-                    <a:lstStyle/>
-                    <a:p>
-                      <a:r>
-                        <a:rPr lang="en-US" dirty="0"/>
-                        <a:t>9mm</a:t>
-                      </a:r>
-                    </a:p>
-                  </a:txBody>
-                  <a:tcPr/>
-                </a:tc>
-                <a:tc>
-                  <a:txBody>
-                    <a:bodyPr/>
-                    <a:lstStyle/>
-                    <a:p>
-                      <a:r>
-                        <a:rPr lang="en-US" dirty="0"/>
-                        <a:t>9mm</a:t>
-                      </a:r>
-                    </a:p>
-                  </a:txBody>
-                  <a:tcPr/>
-                </a:tc>
-                <a:tc>
-                  <a:txBody>
-                    <a:bodyPr/>
-                    <a:lstStyle/>
-                    <a:p>
-                      <a:r>
-                        <a:rPr lang="en-US" dirty="0"/>
-                        <a:t>18mm</a:t>
-                      </a:r>
-                    </a:p>
-                  </a:txBody>
-                  <a:tcPr/>
-                </a:tc>
-                <a:tc>
-                  <a:txBody>
-                    <a:bodyPr/>
-                    <a:lstStyle/>
-                    <a:p>
-                      <a:endParaRPr lang="en-US"/>
-                    </a:p>
-                  </a:txBody>
-                  <a:tcPr/>
-                </a:tc>
-                <a:tc>
-                  <a:txBody>
-                    <a:bodyPr/>
-                    <a:lstStyle/>
-                    <a:p>
-                      <a:endParaRPr lang="en-US"/>
-                    </a:p>
-                  </a:txBody>
-                  <a:tcPr/>
-                </a:tc>
-                <a:extLst>
-                  <a:ext uri="{0D108BD9-81ED-4DB2-BD59-A6C34878D82A}">
-                    <a16:rowId xmlns:a16="http://schemas.microsoft.com/office/drawing/2014/main" val="1846763676"/>
-                  </a:ext>
-                </a:extLst>
-              </a:tr>
-              <a:tr h="370840">
-                <a:tc>
-                  <a:txBody>
-                    <a:bodyPr/>
-                    <a:lstStyle/>
-                    <a:p>
-                      <a:r>
-                        <a:rPr lang="en-US" dirty="0"/>
-                        <a:t>Flip LR?</a:t>
-                      </a:r>
-                    </a:p>
-                  </a:txBody>
-                  <a:tcPr/>
-                </a:tc>
-                <a:tc>
-                  <a:txBody>
-                    <a:bodyPr/>
-                    <a:lstStyle/>
-                    <a:p>
-                      <a:r>
-                        <a:rPr lang="en-US" dirty="0"/>
-                        <a:t>True</a:t>
-                      </a:r>
-                    </a:p>
-                  </a:txBody>
-                  <a:tcPr/>
-                </a:tc>
-                <a:tc>
-                  <a:txBody>
-                    <a:bodyPr/>
-                    <a:lstStyle/>
-                    <a:p>
-                      <a:r>
-                        <a:rPr lang="en-US" dirty="0"/>
-                        <a:t>True</a:t>
-                      </a:r>
-                    </a:p>
-                  </a:txBody>
-                  <a:tcPr/>
-                </a:tc>
-                <a:tc>
-                  <a:txBody>
-                    <a:bodyPr/>
-                    <a:lstStyle/>
-                    <a:p>
-                      <a:r>
-                        <a:rPr lang="en-US" dirty="0"/>
-                        <a:t>False</a:t>
-                      </a:r>
-                    </a:p>
-                  </a:txBody>
-                  <a:tcPr/>
-                </a:tc>
-                <a:tc>
-                  <a:txBody>
-                    <a:bodyPr/>
-                    <a:lstStyle/>
-                    <a:p>
-                      <a:r>
-                        <a:rPr lang="en-US" dirty="0"/>
-                        <a:t>False</a:t>
-                      </a:r>
-                    </a:p>
-                  </a:txBody>
-                  <a:tcPr/>
-                </a:tc>
-                <a:tc>
-                  <a:txBody>
-                    <a:bodyPr/>
-                    <a:lstStyle/>
-                    <a:p>
-                      <a:r>
-                        <a:rPr lang="en-US" dirty="0"/>
-                        <a:t>True</a:t>
-                      </a:r>
-                    </a:p>
-                  </a:txBody>
-                  <a:tcPr/>
-                </a:tc>
-                <a:tc>
-                  <a:txBody>
-                    <a:bodyPr/>
-                    <a:lstStyle/>
-                    <a:p>
-                      <a:r>
-                        <a:rPr lang="en-US" dirty="0"/>
-                        <a:t>True</a:t>
-                      </a:r>
-                    </a:p>
-                  </a:txBody>
-                  <a:tcPr/>
-                </a:tc>
-                <a:tc>
-                  <a:txBody>
-                    <a:bodyPr/>
-                    <a:lstStyle/>
-                    <a:p>
-                      <a:endParaRPr lang="en-US" dirty="0"/>
-                    </a:p>
-                  </a:txBody>
-                  <a:tcPr/>
-                </a:tc>
-                <a:tc>
-                  <a:txBody>
-                    <a:bodyPr/>
-                    <a:lstStyle/>
-                    <a:p>
-                      <a:endParaRPr lang="en-US" dirty="0"/>
-                    </a:p>
-                  </a:txBody>
-                  <a:tcPr/>
-                </a:tc>
-                <a:extLst>
-                  <a:ext uri="{0D108BD9-81ED-4DB2-BD59-A6C34878D82A}">
-                    <a16:rowId xmlns:a16="http://schemas.microsoft.com/office/drawing/2014/main" val="441794397"/>
-                  </a:ext>
-                </a:extLst>
-              </a:tr>
-              <a:tr h="370840">
-                <a:tc>
-                  <a:txBody>
-                    <a:bodyPr/>
-                    <a:lstStyle/>
-                    <a:p>
-                      <a:r>
-                        <a:rPr lang="en-US" dirty="0"/>
-                        <a:t>Flip TB?</a:t>
-                      </a:r>
-                    </a:p>
-                  </a:txBody>
-                  <a:tcPr/>
-                </a:tc>
-                <a:tc>
-                  <a:txBody>
-                    <a:bodyPr/>
-                    <a:lstStyle/>
-                    <a:p>
-                      <a:r>
-                        <a:rPr lang="en-US" dirty="0"/>
-                        <a:t>False</a:t>
-                      </a:r>
-                    </a:p>
-                  </a:txBody>
-                  <a:tcPr/>
-                </a:tc>
-                <a:tc>
-                  <a:txBody>
-                    <a:bodyPr/>
-                    <a:lstStyle/>
-                    <a:p>
-                      <a:r>
-                        <a:rPr lang="en-US" dirty="0"/>
-                        <a:t>False</a:t>
-                      </a:r>
-                    </a:p>
-                  </a:txBody>
-                  <a:tcPr/>
-                </a:tc>
-                <a:tc>
-                  <a:txBody>
-                    <a:bodyPr/>
-                    <a:lstStyle/>
-                    <a:p>
-                      <a:r>
-                        <a:rPr lang="en-US" dirty="0"/>
-                        <a:t>True</a:t>
-                      </a:r>
-                    </a:p>
-                  </a:txBody>
-                  <a:tcPr/>
-                </a:tc>
-                <a:tc>
-                  <a:txBody>
-                    <a:bodyPr/>
-                    <a:lstStyle/>
-                    <a:p>
-                      <a:r>
-                        <a:rPr lang="en-US" dirty="0"/>
-                        <a:t>False</a:t>
-                      </a:r>
-                    </a:p>
-                  </a:txBody>
-                  <a:tcPr/>
-                </a:tc>
-                <a:tc>
-                  <a:txBody>
-                    <a:bodyPr/>
-                    <a:lstStyle/>
-                    <a:p>
-                      <a:r>
-                        <a:rPr lang="en-US" dirty="0"/>
-                        <a:t>False</a:t>
-                      </a:r>
-                    </a:p>
-                  </a:txBody>
-                  <a:tcPr/>
-                </a:tc>
-                <a:tc>
-                  <a:txBody>
-                    <a:bodyPr/>
-                    <a:lstStyle/>
-                    <a:p>
-                      <a:r>
-                        <a:rPr lang="en-US" dirty="0"/>
-                        <a:t>False</a:t>
-                      </a:r>
-                    </a:p>
-                  </a:txBody>
-                  <a:tcPr/>
-                </a:tc>
-                <a:tc>
-                  <a:txBody>
-                    <a:bodyPr/>
-                    <a:lstStyle/>
-                    <a:p>
-                      <a:endParaRPr lang="en-US" dirty="0"/>
-                    </a:p>
-                  </a:txBody>
-                  <a:tcPr/>
-                </a:tc>
-                <a:tc>
-                  <a:txBody>
-                    <a:bodyPr/>
-                    <a:lstStyle/>
-                    <a:p>
-                      <a:endParaRPr lang="en-US" dirty="0"/>
-                    </a:p>
-                  </a:txBody>
-                  <a:tcPr/>
-                </a:tc>
-                <a:extLst>
-                  <a:ext uri="{0D108BD9-81ED-4DB2-BD59-A6C34878D82A}">
-                    <a16:rowId xmlns:a16="http://schemas.microsoft.com/office/drawing/2014/main" val="3553621305"/>
-                  </a:ext>
-                </a:extLst>
-              </a:tr>
-              <a:tr h="370840">
-                <a:tc>
-                  <a:txBody>
-                    <a:bodyPr/>
-                    <a:lstStyle/>
-                    <a:p>
-                      <a:endParaRPr lang="en-US" dirty="0"/>
-                    </a:p>
-                  </a:txBody>
-                  <a:tcPr/>
-                </a:tc>
-                <a:tc>
-                  <a:txBody>
-                    <a:bodyPr/>
-                    <a:lstStyle/>
-                    <a:p>
-                      <a:endParaRPr lang="en-US" dirty="0"/>
-                    </a:p>
-                  </a:txBody>
-                  <a:tcPr/>
-                </a:tc>
-                <a:tc>
-                  <a:txBody>
-                    <a:bodyPr/>
-                    <a:lstStyle/>
-                    <a:p>
-                      <a:endParaRPr lang="en-US" dirty="0"/>
-                    </a:p>
-                  </a:txBody>
-                  <a:tcPr/>
-                </a:tc>
-                <a:tc>
-                  <a:txBody>
-                    <a:bodyPr/>
-                    <a:lstStyle/>
-                    <a:p>
-                      <a:endParaRPr lang="en-US" dirty="0"/>
-                    </a:p>
-                  </a:txBody>
-                  <a:tcPr/>
-                </a:tc>
-                <a:tc>
-                  <a:txBody>
-                    <a:bodyPr/>
-                    <a:lstStyle/>
-                    <a:p>
-                      <a:endParaRPr lang="en-US" dirty="0"/>
-                    </a:p>
-                  </a:txBody>
-                  <a:tcPr/>
-                </a:tc>
-                <a:tc>
-                  <a:txBody>
-                    <a:bodyPr/>
-                    <a:lstStyle/>
-                    <a:p>
-                      <a:endParaRPr lang="en-US" dirty="0"/>
-                    </a:p>
-                  </a:txBody>
-                  <a:tcPr/>
-                </a:tc>
-                <a:tc>
-                  <a:txBody>
-                    <a:bodyPr/>
-                    <a:lstStyle/>
-                    <a:p>
-                      <a:endParaRPr lang="en-US" dirty="0"/>
-                    </a:p>
-                  </a:txBody>
-                  <a:tcPr/>
-                </a:tc>
-                <a:tc>
-                  <a:txBody>
-                    <a:bodyPr/>
-                    <a:lstStyle/>
-                    <a:p>
-                      <a:endParaRPr lang="en-US" dirty="0"/>
-                    </a:p>
-                  </a:txBody>
-                  <a:tcPr/>
-                </a:tc>
-                <a:tc>
-                  <a:txBody>
-                    <a:bodyPr/>
-                    <a:lstStyle/>
-                    <a:p>
-                      <a:endParaRPr lang="en-US" dirty="0"/>
-                    </a:p>
-                  </a:txBody>
-                  <a:tcPr/>
-                </a:tc>
-                <a:extLst>
-                  <a:ext uri="{0D108BD9-81ED-4DB2-BD59-A6C34878D82A}">
-                    <a16:rowId xmlns:a16="http://schemas.microsoft.com/office/drawing/2014/main" val="1360630227"/>
-                  </a:ext>
-                </a:extLst>
-              </a:tr>
-            </a:tbl>
-          </a:graphicData>
-        </a:graphic>
-      </p:graphicFrame>
-      <p:sp>
-        <p:nvSpPr>
-          <p:cNvPr id="7" name="Content Placeholder 6">
-            <a:extLst>
-              <a:ext uri="{FF2B5EF4-FFF2-40B4-BE49-F238E27FC236}">
-                <a16:creationId xmlns:a16="http://schemas.microsoft.com/office/drawing/2014/main" id="{850A8256-1754-9D1E-36E8-D3AE3BA1CF7B}"/>
+              <a:t>Tuesday, 8/13/24</a:t>
+            </a:r>
+          </a:p>
+        </p:txBody>
+      </p:sp>
+      <p:sp>
+        <p:nvSpPr>
+          <p:cNvPr id="3" name="Content Placeholder 2">
+            <a:extLst>
+              <a:ext uri="{FF2B5EF4-FFF2-40B4-BE49-F238E27FC236}">
+                <a16:creationId xmlns:a16="http://schemas.microsoft.com/office/drawing/2014/main" id="{C41166F5-C182-C2D2-7C1F-96B319E0A1A7}"/>
               </a:ext>
             </a:extLst>
           </p:cNvPr>
@@ -7812,26 +7093,73 @@
         <p:spPr>
           <a:xfrm>
             <a:off x="838200" y="1825625"/>
-            <a:ext cx="10305422" cy="1048204"/>
+            <a:ext cx="6048983" cy="4351338"/>
           </a:xfrm>
         </p:spPr>
         <p:txBody>
-          <a:bodyPr>
-            <a:normAutofit/>
-          </a:bodyPr>
+          <a:bodyPr/>
           <a:lstStyle/>
           <a:p>
             <a:r>
               <a:rPr lang="en-US" dirty="0"/>
-              <a:t>See GRIT Operations/Calibrations/Cameras</a:t>
-            </a:r>
-          </a:p>
-        </p:txBody>
-      </p:sp>
+              <a:t>Found beam on beam dump</a:t>
+            </a:r>
+          </a:p>
+          <a:p>
+            <a:pPr lvl="1"/>
+            <a:r>
+              <a:rPr lang="en-US" dirty="0"/>
+              <a:t>146 Amps corresponds to 93 MeV</a:t>
+            </a:r>
+          </a:p>
+          <a:p>
+            <a:r>
+              <a:rPr lang="en-US" dirty="0"/>
+              <a:t>Limited in steering. Revisit after installation</a:t>
+            </a:r>
+          </a:p>
+        </p:txBody>
+      </p:sp>
+      <p:pic>
+        <p:nvPicPr>
+          <p:cNvPr id="5" name="Picture 4" descr="A light in the dark sky&#10;&#10;Description automatically generated">
+            <a:extLst>
+              <a:ext uri="{FF2B5EF4-FFF2-40B4-BE49-F238E27FC236}">
+                <a16:creationId xmlns:a16="http://schemas.microsoft.com/office/drawing/2014/main" id="{5690679C-23BD-7C80-E689-13F9F633B085}"/>
+              </a:ext>
+            </a:extLst>
+          </p:cNvPr>
+          <p:cNvPicPr>
+            <a:picLocks noChangeAspect="1"/>
+          </p:cNvPicPr>
+          <p:nvPr/>
+        </p:nvPicPr>
+        <p:blipFill>
+          <a:blip r:embed="rId2">
+            <a:extLst>
+              <a:ext uri="{28A0092B-C50C-407E-A947-70E740481C1C}">
+                <a14:useLocalDpi xmlns:a14="http://schemas.microsoft.com/office/drawing/2010/main" val="0"/>
+              </a:ext>
+            </a:extLst>
+          </a:blip>
+          <a:stretch>
+            <a:fillRect/>
+          </a:stretch>
+        </p:blipFill>
+        <p:spPr>
+          <a:xfrm>
+            <a:off x="7412882" y="1690688"/>
+            <a:ext cx="3618284" cy="2894627"/>
+          </a:xfrm>
+          <a:prstGeom prst="rect">
+            <a:avLst/>
+          </a:prstGeom>
+        </p:spPr>
+      </p:pic>
     </p:spTree>
     <p:extLst>
       <p:ext uri="{BB962C8B-B14F-4D97-AF65-F5344CB8AC3E}">
-        <p14:creationId xmlns:p14="http://schemas.microsoft.com/office/powerpoint/2010/main" val="116975873"/>
+        <p14:creationId xmlns:p14="http://schemas.microsoft.com/office/powerpoint/2010/main" val="3845866122"/>
       </p:ext>
     </p:extLst>
   </p:cSld>
